--- a/Presentation/Slide phu/Chi phi phat trien.pptx
+++ b/Presentation/Slide phu/Chi phi phat trien.pptx
@@ -11,6 +11,7 @@
     <p:sldId id="261" r:id="rId5"/>
     <p:sldId id="256" r:id="rId6"/>
     <p:sldId id="257" r:id="rId7"/>
+    <p:sldId id="262" r:id="rId8"/>
   </p:sldIdLst>
   <p:sldSz cx="9144000" cy="6858000" type="screen4x3"/>
   <p:notesSz cx="6858000" cy="9144000"/>
@@ -109,6 +110,11 @@
       </a:defRPr>
     </a:lvl9pPr>
   </p:defaultTextStyle>
+  <p:extLst>
+    <p:ext uri="{EFAFB233-063F-42B5-8137-9DF3F51BA10A}">
+      <p15:sldGuideLst xmlns:p15="http://schemas.microsoft.com/office/powerpoint/2012/main"/>
+    </p:ext>
+  </p:extLst>
 </p:presentation>
 </file>
 
@@ -243,7 +249,7 @@
           <a:p>
             <a:fld id="{3679E4DF-1495-48C5-A4AA-3FDABEE1EF78}" type="datetimeFigureOut">
               <a:rPr lang="en-US" smtClean="0"/>
-              <a:t>5/5/2014</a:t>
+              <a:t>5/6/2014</a:t>
             </a:fld>
             <a:endParaRPr lang="en-US"/>
           </a:p>
@@ -413,7 +419,7 @@
           <a:p>
             <a:fld id="{3679E4DF-1495-48C5-A4AA-3FDABEE1EF78}" type="datetimeFigureOut">
               <a:rPr lang="en-US" smtClean="0"/>
-              <a:t>5/5/2014</a:t>
+              <a:t>5/6/2014</a:t>
             </a:fld>
             <a:endParaRPr lang="en-US"/>
           </a:p>
@@ -593,7 +599,7 @@
           <a:p>
             <a:fld id="{3679E4DF-1495-48C5-A4AA-3FDABEE1EF78}" type="datetimeFigureOut">
               <a:rPr lang="en-US" smtClean="0"/>
-              <a:t>5/5/2014</a:t>
+              <a:t>5/6/2014</a:t>
             </a:fld>
             <a:endParaRPr lang="en-US"/>
           </a:p>
@@ -763,7 +769,7 @@
           <a:p>
             <a:fld id="{3679E4DF-1495-48C5-A4AA-3FDABEE1EF78}" type="datetimeFigureOut">
               <a:rPr lang="en-US" smtClean="0"/>
-              <a:t>5/5/2014</a:t>
+              <a:t>5/6/2014</a:t>
             </a:fld>
             <a:endParaRPr lang="en-US"/>
           </a:p>
@@ -1007,7 +1013,7 @@
           <a:p>
             <a:fld id="{3679E4DF-1495-48C5-A4AA-3FDABEE1EF78}" type="datetimeFigureOut">
               <a:rPr lang="en-US" smtClean="0"/>
-              <a:t>5/5/2014</a:t>
+              <a:t>5/6/2014</a:t>
             </a:fld>
             <a:endParaRPr lang="en-US"/>
           </a:p>
@@ -1239,7 +1245,7 @@
           <a:p>
             <a:fld id="{3679E4DF-1495-48C5-A4AA-3FDABEE1EF78}" type="datetimeFigureOut">
               <a:rPr lang="en-US" smtClean="0"/>
-              <a:t>5/5/2014</a:t>
+              <a:t>5/6/2014</a:t>
             </a:fld>
             <a:endParaRPr lang="en-US"/>
           </a:p>
@@ -1606,7 +1612,7 @@
           <a:p>
             <a:fld id="{3679E4DF-1495-48C5-A4AA-3FDABEE1EF78}" type="datetimeFigureOut">
               <a:rPr lang="en-US" smtClean="0"/>
-              <a:t>5/5/2014</a:t>
+              <a:t>5/6/2014</a:t>
             </a:fld>
             <a:endParaRPr lang="en-US"/>
           </a:p>
@@ -1724,7 +1730,7 @@
           <a:p>
             <a:fld id="{3679E4DF-1495-48C5-A4AA-3FDABEE1EF78}" type="datetimeFigureOut">
               <a:rPr lang="en-US" smtClean="0"/>
-              <a:t>5/5/2014</a:t>
+              <a:t>5/6/2014</a:t>
             </a:fld>
             <a:endParaRPr lang="en-US"/>
           </a:p>
@@ -1819,7 +1825,7 @@
           <a:p>
             <a:fld id="{3679E4DF-1495-48C5-A4AA-3FDABEE1EF78}" type="datetimeFigureOut">
               <a:rPr lang="en-US" smtClean="0"/>
-              <a:t>5/5/2014</a:t>
+              <a:t>5/6/2014</a:t>
             </a:fld>
             <a:endParaRPr lang="en-US"/>
           </a:p>
@@ -2096,7 +2102,7 @@
           <a:p>
             <a:fld id="{3679E4DF-1495-48C5-A4AA-3FDABEE1EF78}" type="datetimeFigureOut">
               <a:rPr lang="en-US" smtClean="0"/>
-              <a:t>5/5/2014</a:t>
+              <a:t>5/6/2014</a:t>
             </a:fld>
             <a:endParaRPr lang="en-US"/>
           </a:p>
@@ -2353,7 +2359,7 @@
           <a:p>
             <a:fld id="{3679E4DF-1495-48C5-A4AA-3FDABEE1EF78}" type="datetimeFigureOut">
               <a:rPr lang="en-US" smtClean="0"/>
-              <a:t>5/5/2014</a:t>
+              <a:t>5/6/2014</a:t>
             </a:fld>
             <a:endParaRPr lang="en-US"/>
           </a:p>
@@ -2566,7 +2572,7 @@
           <a:p>
             <a:fld id="{3679E4DF-1495-48C5-A4AA-3FDABEE1EF78}" type="datetimeFigureOut">
               <a:rPr lang="en-US" smtClean="0"/>
-              <a:t>5/5/2014</a:t>
+              <a:t>5/6/2014</a:t>
             </a:fld>
             <a:endParaRPr lang="en-US"/>
           </a:p>
@@ -6839,13 +6845,13 @@
                     <a:p>
                       <a:pPr algn="r" fontAlgn="b"/>
                       <a:r>
-                        <a:rPr lang="en-US" sz="2000" u="none" strike="noStrike">
+                        <a:rPr lang="en-US" sz="2000" u="none" strike="noStrike" dirty="0">
                           <a:effectLst/>
                           <a:latin typeface="Cambria" panose="02040503050406030204" pitchFamily="18" charset="0"/>
                         </a:rPr>
                         <a:t>6000</a:t>
                       </a:r>
-                      <a:endParaRPr lang="en-US" sz="2000" b="0" i="0" u="none" strike="noStrike">
+                      <a:endParaRPr lang="en-US" sz="2000" b="0" i="0" u="none" strike="noStrike" dirty="0">
                         <a:solidFill>
                           <a:srgbClr val="000000"/>
                         </a:solidFill>
@@ -8028,6 +8034,43 @@
     <p:extLst>
       <p:ext uri="{BB962C8B-B14F-4D97-AF65-F5344CB8AC3E}">
         <p14:creationId xmlns:p14="http://schemas.microsoft.com/office/powerpoint/2010/main" val="837351241"/>
+      </p:ext>
+    </p:extLst>
+  </p:cSld>
+  <p:clrMapOvr>
+    <a:masterClrMapping/>
+  </p:clrMapOvr>
+  <p:timing>
+    <p:tnLst>
+      <p:par>
+        <p:cTn id="1" dur="indefinite" restart="never" nodeType="tmRoot"/>
+      </p:par>
+    </p:tnLst>
+  </p:timing>
+</p:sld>
+</file>
+
+<file path=ppt/slides/slide7.xml><?xml version="1.0" encoding="utf-8"?>
+<p:sld xmlns:a="http://schemas.openxmlformats.org/drawingml/2006/main" xmlns:r="http://schemas.openxmlformats.org/officeDocument/2006/relationships" xmlns:p="http://schemas.openxmlformats.org/presentationml/2006/main">
+  <p:cSld>
+    <p:spTree>
+      <p:nvGrpSpPr>
+        <p:cNvPr id="1" name=""/>
+        <p:cNvGrpSpPr/>
+        <p:nvPr/>
+      </p:nvGrpSpPr>
+      <p:grpSpPr>
+        <a:xfrm>
+          <a:off x="0" y="0"/>
+          <a:ext cx="0" cy="0"/>
+          <a:chOff x="0" y="0"/>
+          <a:chExt cx="0" cy="0"/>
+        </a:xfrm>
+      </p:grpSpPr>
+    </p:spTree>
+    <p:extLst>
+      <p:ext uri="{BB962C8B-B14F-4D97-AF65-F5344CB8AC3E}">
+        <p14:creationId xmlns:p14="http://schemas.microsoft.com/office/powerpoint/2010/main" val="334489014"/>
       </p:ext>
     </p:extLst>
   </p:cSld>
